--- a/UNDER DEVELOPMENT/OPAR Version 2/JESTER/SYTGT005 JABLAH NAVY PORT.pptx
+++ b/UNDER DEVELOPMENT/OPAR Version 2/JESTER/SYTGT005 JABLAH NAVY PORT.pptx
@@ -109,7 +109,7 @@
   </p:defaultTextStyle>
   <p:extLst>
     <p:ext uri="{EFAFB233-063F-42B5-8137-9DF3F51BA10A}">
-      <p15:sldGuideLst xmlns:p15="http://schemas.microsoft.com/office/powerpoint/2012/main">
+      <p15:sldGuideLst xmlns:p15="http://schemas.microsoft.com/office/powerpoint/2012/main" xmlns="">
         <p15:guide id="1" orient="horz" pos="1620">
           <p15:clr>
             <a:srgbClr val="A4A3A4"/>
@@ -209,7 +209,7 @@
             <a:fld id="{40637A30-8EE1-4060-9976-8832FC89EE34}" type="datetimeFigureOut">
               <a:rPr lang="nb-NO" smtClean="0"/>
               <a:pPr/>
-              <a:t>02.01.2022</a:t>
+              <a:t>09.06.2022</a:t>
             </a:fld>
             <a:endParaRPr lang="nb-NO"/>
           </a:p>
@@ -3617,7 +3617,7 @@
           <p:cNvPr id="7" name="Picture 6" descr="A picture containing text&#10;&#10;Description automatically generated">
             <a:extLst>
               <a:ext uri="{FF2B5EF4-FFF2-40B4-BE49-F238E27FC236}">
-                <a16:creationId xmlns:a16="http://schemas.microsoft.com/office/drawing/2014/main" id="{B95D96E3-8F20-44C4-9378-8820B2EF7179}"/>
+                <a16:creationId xmlns:a16="http://schemas.microsoft.com/office/drawing/2014/main" xmlns="" id="{B95D96E3-8F20-44C4-9378-8820B2EF7179}"/>
               </a:ext>
             </a:extLst>
           </p:cNvPr>
@@ -3630,7 +3630,7 @@
           <a:blip r:embed="rId2" cstate="print">
             <a:extLst>
               <a:ext uri="{BEBA8EAE-BF5A-486C-A8C5-ECC9F3942E4B}">
-                <a14:imgProps xmlns:a14="http://schemas.microsoft.com/office/drawing/2010/main">
+                <a14:imgProps xmlns:a14="http://schemas.microsoft.com/office/drawing/2010/main" xmlns="">
                   <a14:imgLayer r:embed="rId3">
                     <a14:imgEffect>
                       <a14:saturation sat="0"/>
@@ -3639,7 +3639,7 @@
                 </a14:imgProps>
               </a:ext>
               <a:ext uri="{28A0092B-C50C-407E-A947-70E740481C1C}">
-                <a14:useLocalDpi xmlns:a14="http://schemas.microsoft.com/office/drawing/2010/main" val="0"/>
+                <a14:useLocalDpi xmlns:a14="http://schemas.microsoft.com/office/drawing/2010/main" xmlns="" val="0"/>
               </a:ext>
             </a:extLst>
           </a:blip>
@@ -4228,7 +4228,7 @@
           <p:cNvPr id="18" name="Rectangle 17">
             <a:extLst>
               <a:ext uri="{FF2B5EF4-FFF2-40B4-BE49-F238E27FC236}">
-                <a16:creationId xmlns:a16="http://schemas.microsoft.com/office/drawing/2014/main" id="{DAF347D0-AA85-4001-B5BE-B3FB5359524F}"/>
+                <a16:creationId xmlns:a16="http://schemas.microsoft.com/office/drawing/2014/main" xmlns="" id="{DAF347D0-AA85-4001-B5BE-B3FB5359524F}"/>
               </a:ext>
             </a:extLst>
           </p:cNvPr>
@@ -4397,7 +4397,7 @@
           <p:cNvPr id="38" name="Rectangle 17">
             <a:extLst>
               <a:ext uri="{FF2B5EF4-FFF2-40B4-BE49-F238E27FC236}">
-                <a16:creationId xmlns:a16="http://schemas.microsoft.com/office/drawing/2014/main" id="{250C22BD-FFE8-4E17-99FC-9C22AA6D121F}"/>
+                <a16:creationId xmlns:a16="http://schemas.microsoft.com/office/drawing/2014/main" xmlns="" id="{250C22BD-FFE8-4E17-99FC-9C22AA6D121F}"/>
               </a:ext>
             </a:extLst>
           </p:cNvPr>
@@ -4640,7 +4640,7 @@
           <p:cNvPr id="55" name="Rectangle 17">
             <a:extLst>
               <a:ext uri="{FF2B5EF4-FFF2-40B4-BE49-F238E27FC236}">
-                <a16:creationId xmlns:a16="http://schemas.microsoft.com/office/drawing/2014/main" id="{8E6558B6-D556-4815-B90F-DE4FC982E40F}"/>
+                <a16:creationId xmlns:a16="http://schemas.microsoft.com/office/drawing/2014/main" xmlns="" id="{8E6558B6-D556-4815-B90F-DE4FC982E40F}"/>
               </a:ext>
             </a:extLst>
           </p:cNvPr>
@@ -4881,7 +4881,7 @@
           <p:cNvPr id="19" name="Freeform: Shape 18">
             <a:extLst>
               <a:ext uri="{FF2B5EF4-FFF2-40B4-BE49-F238E27FC236}">
-                <a16:creationId xmlns:a16="http://schemas.microsoft.com/office/drawing/2014/main" id="{5DC7DDE7-105A-4F7D-AEDA-F432FC12773C}"/>
+                <a16:creationId xmlns:a16="http://schemas.microsoft.com/office/drawing/2014/main" xmlns="" id="{5DC7DDE7-105A-4F7D-AEDA-F432FC12773C}"/>
               </a:ext>
             </a:extLst>
           </p:cNvPr>
@@ -5010,7 +5010,7 @@
           <p:cNvPr id="58" name="Group 57">
             <a:extLst>
               <a:ext uri="{FF2B5EF4-FFF2-40B4-BE49-F238E27FC236}">
-                <a16:creationId xmlns:a16="http://schemas.microsoft.com/office/drawing/2014/main" id="{B4444A6E-020C-484E-8FDE-0B1FBC0395F9}"/>
+                <a16:creationId xmlns:a16="http://schemas.microsoft.com/office/drawing/2014/main" xmlns="" id="{B4444A6E-020C-484E-8FDE-0B1FBC0395F9}"/>
               </a:ext>
             </a:extLst>
           </p:cNvPr>
@@ -5030,7 +5030,7 @@
             <p:cNvPr id="59" name="TekstSylinder 9">
               <a:extLst>
                 <a:ext uri="{FF2B5EF4-FFF2-40B4-BE49-F238E27FC236}">
-                  <a16:creationId xmlns:a16="http://schemas.microsoft.com/office/drawing/2014/main" id="{08736302-296E-44B7-B5F9-D17EEA2E5D93}"/>
+                  <a16:creationId xmlns:a16="http://schemas.microsoft.com/office/drawing/2014/main" xmlns="" id="{08736302-296E-44B7-B5F9-D17EEA2E5D93}"/>
                 </a:ext>
               </a:extLst>
             </p:cNvPr>
@@ -5077,7 +5077,7 @@
             <p:cNvPr id="60" name="Isosceles Triangle 59">
               <a:extLst>
                 <a:ext uri="{FF2B5EF4-FFF2-40B4-BE49-F238E27FC236}">
-                  <a16:creationId xmlns:a16="http://schemas.microsoft.com/office/drawing/2014/main" id="{DB4084A6-F22A-408D-8E85-EDEDDAE5E06A}"/>
+                  <a16:creationId xmlns:a16="http://schemas.microsoft.com/office/drawing/2014/main" xmlns="" id="{DB4084A6-F22A-408D-8E85-EDEDDAE5E06A}"/>
                 </a:ext>
               </a:extLst>
             </p:cNvPr>
@@ -5134,7 +5134,7 @@
           <p:cNvPr id="64" name="Group 63">
             <a:extLst>
               <a:ext uri="{FF2B5EF4-FFF2-40B4-BE49-F238E27FC236}">
-                <a16:creationId xmlns:a16="http://schemas.microsoft.com/office/drawing/2014/main" id="{61D9FBBD-61D8-43B7-BA2A-1B8034950414}"/>
+                <a16:creationId xmlns:a16="http://schemas.microsoft.com/office/drawing/2014/main" xmlns="" id="{61D9FBBD-61D8-43B7-BA2A-1B8034950414}"/>
               </a:ext>
             </a:extLst>
           </p:cNvPr>
@@ -5154,7 +5154,7 @@
             <p:cNvPr id="65" name="TekstSylinder 9">
               <a:extLst>
                 <a:ext uri="{FF2B5EF4-FFF2-40B4-BE49-F238E27FC236}">
-                  <a16:creationId xmlns:a16="http://schemas.microsoft.com/office/drawing/2014/main" id="{79B1BBB7-0D5F-40F8-9DEF-EF685448ABC9}"/>
+                  <a16:creationId xmlns:a16="http://schemas.microsoft.com/office/drawing/2014/main" xmlns="" id="{79B1BBB7-0D5F-40F8-9DEF-EF685448ABC9}"/>
                 </a:ext>
               </a:extLst>
             </p:cNvPr>
@@ -5195,7 +5195,7 @@
             <p:cNvPr id="66" name="Isosceles Triangle 65">
               <a:extLst>
                 <a:ext uri="{FF2B5EF4-FFF2-40B4-BE49-F238E27FC236}">
-                  <a16:creationId xmlns:a16="http://schemas.microsoft.com/office/drawing/2014/main" id="{57AC5F51-83D3-42F9-9B1D-487FDC4B1DF1}"/>
+                  <a16:creationId xmlns:a16="http://schemas.microsoft.com/office/drawing/2014/main" xmlns="" id="{57AC5F51-83D3-42F9-9B1D-487FDC4B1DF1}"/>
                 </a:ext>
               </a:extLst>
             </p:cNvPr>
@@ -5252,7 +5252,7 @@
           <p:cNvPr id="67" name="Group 66">
             <a:extLst>
               <a:ext uri="{FF2B5EF4-FFF2-40B4-BE49-F238E27FC236}">
-                <a16:creationId xmlns:a16="http://schemas.microsoft.com/office/drawing/2014/main" id="{E585DF67-865B-4EB2-AA43-FA3E39C7DAEA}"/>
+                <a16:creationId xmlns:a16="http://schemas.microsoft.com/office/drawing/2014/main" xmlns="" id="{E585DF67-865B-4EB2-AA43-FA3E39C7DAEA}"/>
               </a:ext>
             </a:extLst>
           </p:cNvPr>
@@ -5272,7 +5272,7 @@
             <p:cNvPr id="68" name="TekstSylinder 9">
               <a:extLst>
                 <a:ext uri="{FF2B5EF4-FFF2-40B4-BE49-F238E27FC236}">
-                  <a16:creationId xmlns:a16="http://schemas.microsoft.com/office/drawing/2014/main" id="{F2346EEB-C2EB-4D84-80B1-D9729421F90D}"/>
+                  <a16:creationId xmlns:a16="http://schemas.microsoft.com/office/drawing/2014/main" xmlns="" id="{F2346EEB-C2EB-4D84-80B1-D9729421F90D}"/>
                 </a:ext>
               </a:extLst>
             </p:cNvPr>
@@ -5313,7 +5313,7 @@
             <p:cNvPr id="69" name="Isosceles Triangle 68">
               <a:extLst>
                 <a:ext uri="{FF2B5EF4-FFF2-40B4-BE49-F238E27FC236}">
-                  <a16:creationId xmlns:a16="http://schemas.microsoft.com/office/drawing/2014/main" id="{3671F345-25ED-4F28-8342-D4FA9A6A3706}"/>
+                  <a16:creationId xmlns:a16="http://schemas.microsoft.com/office/drawing/2014/main" xmlns="" id="{3671F345-25ED-4F28-8342-D4FA9A6A3706}"/>
                 </a:ext>
               </a:extLst>
             </p:cNvPr>
@@ -5370,7 +5370,7 @@
           <p:cNvPr id="70" name="Group 69">
             <a:extLst>
               <a:ext uri="{FF2B5EF4-FFF2-40B4-BE49-F238E27FC236}">
-                <a16:creationId xmlns:a16="http://schemas.microsoft.com/office/drawing/2014/main" id="{34BAD477-6918-4EF2-8404-9C113CFE58CA}"/>
+                <a16:creationId xmlns:a16="http://schemas.microsoft.com/office/drawing/2014/main" xmlns="" id="{34BAD477-6918-4EF2-8404-9C113CFE58CA}"/>
               </a:ext>
             </a:extLst>
           </p:cNvPr>
@@ -5390,7 +5390,7 @@
             <p:cNvPr id="71" name="TekstSylinder 9">
               <a:extLst>
                 <a:ext uri="{FF2B5EF4-FFF2-40B4-BE49-F238E27FC236}">
-                  <a16:creationId xmlns:a16="http://schemas.microsoft.com/office/drawing/2014/main" id="{F7C34A54-1DE9-415B-B8CD-7BBAA89C2449}"/>
+                  <a16:creationId xmlns:a16="http://schemas.microsoft.com/office/drawing/2014/main" xmlns="" id="{F7C34A54-1DE9-415B-B8CD-7BBAA89C2449}"/>
                 </a:ext>
               </a:extLst>
             </p:cNvPr>
@@ -5431,7 +5431,7 @@
             <p:cNvPr id="72" name="Isosceles Triangle 71">
               <a:extLst>
                 <a:ext uri="{FF2B5EF4-FFF2-40B4-BE49-F238E27FC236}">
-                  <a16:creationId xmlns:a16="http://schemas.microsoft.com/office/drawing/2014/main" id="{39134FE2-EB6A-437F-A81B-970BFCBEDBA1}"/>
+                  <a16:creationId xmlns:a16="http://schemas.microsoft.com/office/drawing/2014/main" xmlns="" id="{39134FE2-EB6A-437F-A81B-970BFCBEDBA1}"/>
                 </a:ext>
               </a:extLst>
             </p:cNvPr>
@@ -5488,7 +5488,7 @@
           <p:cNvPr id="73" name="Group 72">
             <a:extLst>
               <a:ext uri="{FF2B5EF4-FFF2-40B4-BE49-F238E27FC236}">
-                <a16:creationId xmlns:a16="http://schemas.microsoft.com/office/drawing/2014/main" id="{75D682F5-C331-4911-B4B7-BB40161B706A}"/>
+                <a16:creationId xmlns:a16="http://schemas.microsoft.com/office/drawing/2014/main" xmlns="" id="{75D682F5-C331-4911-B4B7-BB40161B706A}"/>
               </a:ext>
             </a:extLst>
           </p:cNvPr>
@@ -5508,7 +5508,7 @@
             <p:cNvPr id="74" name="TekstSylinder 9">
               <a:extLst>
                 <a:ext uri="{FF2B5EF4-FFF2-40B4-BE49-F238E27FC236}">
-                  <a16:creationId xmlns:a16="http://schemas.microsoft.com/office/drawing/2014/main" id="{12532BF1-B855-4B31-BDD8-D23646C9C00A}"/>
+                  <a16:creationId xmlns:a16="http://schemas.microsoft.com/office/drawing/2014/main" xmlns="" id="{12532BF1-B855-4B31-BDD8-D23646C9C00A}"/>
                 </a:ext>
               </a:extLst>
             </p:cNvPr>
@@ -5549,7 +5549,7 @@
             <p:cNvPr id="75" name="Isosceles Triangle 74">
               <a:extLst>
                 <a:ext uri="{FF2B5EF4-FFF2-40B4-BE49-F238E27FC236}">
-                  <a16:creationId xmlns:a16="http://schemas.microsoft.com/office/drawing/2014/main" id="{C3BC07C4-48A2-43F1-AB0E-321A19CE5DE8}"/>
+                  <a16:creationId xmlns:a16="http://schemas.microsoft.com/office/drawing/2014/main" xmlns="" id="{C3BC07C4-48A2-43F1-AB0E-321A19CE5DE8}"/>
                 </a:ext>
               </a:extLst>
             </p:cNvPr>
@@ -5606,7 +5606,7 @@
           <p:cNvPr id="76" name="Group 75">
             <a:extLst>
               <a:ext uri="{FF2B5EF4-FFF2-40B4-BE49-F238E27FC236}">
-                <a16:creationId xmlns:a16="http://schemas.microsoft.com/office/drawing/2014/main" id="{BC407D92-C0B5-4D8B-B488-727E7CC26390}"/>
+                <a16:creationId xmlns:a16="http://schemas.microsoft.com/office/drawing/2014/main" xmlns="" id="{BC407D92-C0B5-4D8B-B488-727E7CC26390}"/>
               </a:ext>
             </a:extLst>
           </p:cNvPr>
@@ -5626,7 +5626,7 @@
             <p:cNvPr id="77" name="TekstSylinder 9">
               <a:extLst>
                 <a:ext uri="{FF2B5EF4-FFF2-40B4-BE49-F238E27FC236}">
-                  <a16:creationId xmlns:a16="http://schemas.microsoft.com/office/drawing/2014/main" id="{CB5696AD-9A5E-4BE3-A779-CBF6BD3D59AF}"/>
+                  <a16:creationId xmlns:a16="http://schemas.microsoft.com/office/drawing/2014/main" xmlns="" id="{CB5696AD-9A5E-4BE3-A779-CBF6BD3D59AF}"/>
                 </a:ext>
               </a:extLst>
             </p:cNvPr>
@@ -5667,7 +5667,7 @@
             <p:cNvPr id="78" name="Isosceles Triangle 77">
               <a:extLst>
                 <a:ext uri="{FF2B5EF4-FFF2-40B4-BE49-F238E27FC236}">
-                  <a16:creationId xmlns:a16="http://schemas.microsoft.com/office/drawing/2014/main" id="{7663CA91-E611-428E-98FE-543281B91D77}"/>
+                  <a16:creationId xmlns:a16="http://schemas.microsoft.com/office/drawing/2014/main" xmlns="" id="{7663CA91-E611-428E-98FE-543281B91D77}"/>
                 </a:ext>
               </a:extLst>
             </p:cNvPr>
@@ -5724,7 +5724,7 @@
           <p:cNvPr id="6" name="Freeform: Shape 5">
             <a:extLst>
               <a:ext uri="{FF2B5EF4-FFF2-40B4-BE49-F238E27FC236}">
-                <a16:creationId xmlns:a16="http://schemas.microsoft.com/office/drawing/2014/main" id="{24DD4C89-666A-4461-ACE3-63A130E660C9}"/>
+                <a16:creationId xmlns:a16="http://schemas.microsoft.com/office/drawing/2014/main" xmlns="" id="{24DD4C89-666A-4461-ACE3-63A130E660C9}"/>
               </a:ext>
             </a:extLst>
           </p:cNvPr>
